--- a/07_DrawaBox.pptx
+++ b/07_DrawaBox.pptx
@@ -3875,23 +3875,7 @@
                   <a:schemeClr val="tx1"/>
                 </a:solidFill>
               </a:rPr>
-              <a:t>Draw Box on </a:t>
-            </a:r>
-            <a:r>
-              <a:rPr lang="en-US" sz="1800" b="1" dirty="0" err="1">
-                <a:solidFill>
-                  <a:schemeClr val="tx1"/>
-                </a:solidFill>
-              </a:rPr>
-              <a:t>Macthed</a:t>
-            </a:r>
-            <a:r>
-              <a:rPr lang="en-US" sz="1800" b="1" dirty="0">
-                <a:solidFill>
-                  <a:schemeClr val="tx1"/>
-                </a:solidFill>
-              </a:rPr>
-              <a:t> Faces</a:t>
+              <a:t>Draw Box on Matched Faces</a:t>
             </a:r>
             <a:endParaRPr lang="en-US" altLang="zh-TW" sz="1800" b="1" dirty="0">
               <a:solidFill>
